--- a/Demo Poster/Graphics.pptx
+++ b/Demo Poster/Graphics.pptx
@@ -3030,7 +3030,7 @@
             <a:lstStyle/>
             <a:p>
               <a:pPr algn="ctr"/>
-              <a:endParaRPr lang="en-AU"/>
+              <a:endParaRPr lang="en-AU" sz="1400"/>
             </a:p>
           </p:txBody>
         </p:sp>
@@ -3113,10 +3113,10 @@
       </p:grpSp>
       <p:grpSp>
         <p:nvGrpSpPr>
-          <p:cNvPr id="124" name="Group 123">
+          <p:cNvPr id="20" name="Group 19">
             <a:extLst>
               <a:ext uri="{FF2B5EF4-FFF2-40B4-BE49-F238E27FC236}">
-                <a16:creationId xmlns:a16="http://schemas.microsoft.com/office/drawing/2014/main" id="{BE1B85F2-9B9E-4779-9892-1571D93A5CD2}"/>
+                <a16:creationId xmlns:a16="http://schemas.microsoft.com/office/drawing/2014/main" id="{92F86B1B-5BD4-401C-A4F6-CB14B21A71AD}"/>
               </a:ext>
             </a:extLst>
           </p:cNvPr>
@@ -3125,10 +3125,10 @@
         </p:nvGrpSpPr>
         <p:grpSpPr>
           <a:xfrm>
-            <a:off x="1134" y="2568543"/>
-            <a:ext cx="3023356" cy="1043467"/>
-            <a:chOff x="1134" y="2568543"/>
-            <a:chExt cx="3023356" cy="1043467"/>
+            <a:off x="48329" y="2588633"/>
+            <a:ext cx="3278497" cy="1023377"/>
+            <a:chOff x="48329" y="2588633"/>
+            <a:chExt cx="3278497" cy="1023377"/>
           </a:xfrm>
         </p:grpSpPr>
         <mc:AlternateContent xmlns:mc="http://schemas.openxmlformats.org/markup-compatibility/2006">
@@ -3147,8 +3147,8 @@
               </p:nvSpPr>
               <p:spPr>
                 <a:xfrm>
-                  <a:off x="2348651" y="2568543"/>
-                  <a:ext cx="675839" cy="553998"/>
+                  <a:off x="2534561" y="2588633"/>
+                  <a:ext cx="792265" cy="646331"/>
                 </a:xfrm>
                 <a:prstGeom prst="rect">
                   <a:avLst/>
@@ -3182,7 +3182,7 @@
                 <a:p>
                   <a:pPr algn="ctr"/>
                   <a:r>
-                    <a:rPr lang="en-AU" sz="1200" dirty="0">
+                    <a:rPr lang="en-AU" sz="1400" dirty="0">
                       <a:solidFill>
                         <a:schemeClr val="tx1"/>
                       </a:solidFill>
@@ -3191,7 +3191,7 @@
                     </a:rPr>
                     <a:t>Maintain </a:t>
                   </a:r>
-                  <a:endParaRPr lang="en-AU" sz="1200" i="1" dirty="0">
+                  <a:endParaRPr lang="en-AU" sz="1400" i="1" dirty="0">
                     <a:solidFill>
                       <a:schemeClr val="tx1"/>
                     </a:solidFill>
@@ -3209,7 +3209,7 @@
                       </m:oMathParaPr>
                       <m:oMath xmlns:m="http://schemas.openxmlformats.org/officeDocument/2006/math">
                         <m:r>
-                          <a:rPr lang="en-AU" sz="1200" i="1" smtClean="0">
+                          <a:rPr lang="en-AU" sz="1400" i="1" smtClean="0">
                             <a:solidFill>
                               <a:schemeClr val="tx1"/>
                             </a:solidFill>
@@ -3220,7 +3220,7 @@
                           <m:t>∆</m:t>
                         </m:r>
                         <m:r>
-                          <a:rPr lang="en-AU" sz="1200" b="0" i="1" smtClean="0">
+                          <a:rPr lang="en-AU" sz="1400" b="0" i="1" smtClean="0">
                             <a:solidFill>
                               <a:schemeClr val="tx1"/>
                             </a:solidFill>
@@ -3231,7 +3231,7 @@
                           <m:t>𝑥</m:t>
                         </m:r>
                         <m:r>
-                          <a:rPr lang="en-AU" sz="1200" b="0" i="1" smtClean="0">
+                          <a:rPr lang="en-AU" sz="1400" b="0" i="1" smtClean="0">
                             <a:solidFill>
                               <a:schemeClr val="tx1"/>
                             </a:solidFill>
@@ -3244,7 +3244,7 @@
                       </m:oMath>
                     </m:oMathPara>
                   </a14:m>
-                  <a:endParaRPr lang="en-AU" sz="1200" b="0" i="1" dirty="0">
+                  <a:endParaRPr lang="en-AU" sz="1400" b="0" i="1" dirty="0">
                     <a:solidFill>
                       <a:schemeClr val="tx1"/>
                     </a:solidFill>
@@ -3262,7 +3262,7 @@
                       </m:oMathParaPr>
                       <m:oMath xmlns:m="http://schemas.openxmlformats.org/officeDocument/2006/math">
                         <m:r>
-                          <a:rPr lang="en-AU" sz="1200" b="0" i="1" smtClean="0">
+                          <a:rPr lang="en-AU" sz="1400" b="0" i="1" smtClean="0">
                             <a:solidFill>
                               <a:schemeClr val="tx1"/>
                             </a:solidFill>
@@ -3273,7 +3273,7 @@
                           <m:t>→</m:t>
                         </m:r>
                         <m:r>
-                          <a:rPr lang="en-AU" sz="1200" i="1">
+                          <a:rPr lang="en-AU" sz="1400" i="1">
                             <a:solidFill>
                               <a:schemeClr val="tx1"/>
                             </a:solidFill>
@@ -3284,7 +3284,7 @@
                           <m:t>∆</m:t>
                         </m:r>
                         <m:r>
-                          <a:rPr lang="en-AU" sz="1200" i="1" smtClean="0">
+                          <a:rPr lang="en-AU" sz="1400" i="1" smtClean="0">
                             <a:solidFill>
                               <a:schemeClr val="tx1"/>
                             </a:solidFill>
@@ -3295,7 +3295,7 @@
                           <m:t>𝜃</m:t>
                         </m:r>
                         <m:r>
-                          <a:rPr lang="en-AU" sz="1200" i="1">
+                          <a:rPr lang="en-AU" sz="1400" i="1">
                             <a:solidFill>
                               <a:schemeClr val="tx1"/>
                             </a:solidFill>
@@ -3306,7 +3306,7 @@
                           <m:t>=</m:t>
                         </m:r>
                         <m:r>
-                          <a:rPr lang="en-AU" sz="1200" b="0" i="1" smtClean="0">
+                          <a:rPr lang="en-AU" sz="1400" b="0" i="1" smtClean="0">
                             <a:solidFill>
                               <a:schemeClr val="tx1"/>
                             </a:solidFill>
@@ -3319,7 +3319,7 @@
                       </m:oMath>
                     </m:oMathPara>
                   </a14:m>
-                  <a:endParaRPr lang="en-AU" sz="1200" dirty="0">
+                  <a:endParaRPr lang="en-AU" sz="1400" dirty="0">
                     <a:solidFill>
                       <a:schemeClr val="tx1"/>
                     </a:solidFill>
@@ -3347,8 +3347,8 @@
               </p:nvSpPr>
               <p:spPr>
                 <a:xfrm>
-                  <a:off x="2348651" y="2568543"/>
-                  <a:ext cx="675839" cy="553998"/>
+                  <a:off x="2534561" y="2588633"/>
+                  <a:ext cx="792265" cy="646331"/>
                 </a:xfrm>
                 <a:prstGeom prst="rect">
                   <a:avLst/>
@@ -3356,7 +3356,7 @@
                 <a:blipFill>
                   <a:blip r:embed="rId2"/>
                   <a:stretch>
-                    <a:fillRect l="-10811" t="-8791" r="-8108" b="-3297"/>
+                    <a:fillRect l="-6154" t="-8491" r="-12308" b="-2830"/>
                   </a:stretch>
                 </a:blipFill>
                 <a:ln w="12700">
@@ -3392,7 +3392,7 @@
           </p:nvSpPr>
           <p:spPr>
             <a:xfrm>
-              <a:off x="1134" y="3000681"/>
+              <a:off x="247047" y="3000681"/>
               <a:ext cx="1787072" cy="180154"/>
             </a:xfrm>
             <a:prstGeom prst="rect">
@@ -3426,7 +3426,7 @@
             <a:lstStyle/>
             <a:p>
               <a:pPr algn="ctr"/>
-              <a:endParaRPr lang="en-AU"/>
+              <a:endParaRPr lang="en-AU" sz="1400"/>
             </a:p>
           </p:txBody>
         </p:sp>
@@ -3444,7 +3444,7 @@
           </p:nvSpPr>
           <p:spPr>
             <a:xfrm>
-              <a:off x="1651807" y="2953626"/>
+              <a:off x="1897720" y="2953626"/>
               <a:ext cx="244506" cy="244506"/>
             </a:xfrm>
             <a:prstGeom prst="ellipse">
@@ -3478,7 +3478,7 @@
             <a:lstStyle/>
             <a:p>
               <a:pPr algn="ctr"/>
-              <a:endParaRPr lang="en-AU"/>
+              <a:endParaRPr lang="en-AU" sz="1400"/>
             </a:p>
           </p:txBody>
         </p:sp>
@@ -3496,7 +3496,7 @@
           </p:nvSpPr>
           <p:spPr>
             <a:xfrm rot="16200000">
-              <a:off x="2003921" y="2753215"/>
+              <a:off x="2249834" y="2753215"/>
               <a:ext cx="611330" cy="1106260"/>
             </a:xfrm>
             <a:prstGeom prst="diagStripe">
@@ -3532,7 +3532,7 @@
             <a:lstStyle/>
             <a:p>
               <a:pPr algn="ctr"/>
-              <a:endParaRPr lang="en-AU">
+              <a:endParaRPr lang="en-AU" sz="1400">
                 <a:solidFill>
                   <a:schemeClr val="tx1"/>
                 </a:solidFill>
@@ -3554,7 +3554,7 @@
           </p:nvSpPr>
           <p:spPr>
             <a:xfrm rot="10800000">
-              <a:off x="1449171" y="3211794"/>
+              <a:off x="1695084" y="3211794"/>
               <a:ext cx="76200" cy="213611"/>
             </a:xfrm>
             <a:prstGeom prst="triangle">
@@ -3583,7 +3583,7 @@
             <a:lstStyle/>
             <a:p>
               <a:pPr algn="ctr"/>
-              <a:endParaRPr lang="en-AU">
+              <a:endParaRPr lang="en-AU" sz="1400">
                 <a:solidFill>
                   <a:srgbClr val="5B9BD5"/>
                 </a:solidFill>
@@ -3605,7 +3605,7 @@
           </p:nvSpPr>
           <p:spPr>
             <a:xfrm>
-              <a:off x="1449171" y="2756109"/>
+              <a:off x="1695084" y="2756109"/>
               <a:ext cx="76200" cy="213611"/>
             </a:xfrm>
             <a:prstGeom prst="triangle">
@@ -3633,7 +3633,7 @@
             <a:lstStyle/>
             <a:p>
               <a:pPr algn="ctr"/>
-              <a:endParaRPr lang="en-AU"/>
+              <a:endParaRPr lang="en-AU" sz="1400"/>
             </a:p>
           </p:txBody>
         </p:sp>
@@ -3651,7 +3651,7 @@
           </p:nvSpPr>
           <p:spPr>
             <a:xfrm>
-              <a:off x="1436283" y="2630714"/>
+              <a:off x="1682196" y="2630714"/>
               <a:ext cx="101975" cy="101975"/>
             </a:xfrm>
             <a:prstGeom prst="rect">
@@ -3687,7 +3687,7 @@
             <a:lstStyle/>
             <a:p>
               <a:pPr algn="ctr"/>
-              <a:endParaRPr lang="en-AU">
+              <a:endParaRPr lang="en-AU" sz="1400">
                 <a:solidFill>
                   <a:srgbClr val="70AD47"/>
                 </a:solidFill>
@@ -3709,18 +3709,18 @@
           </p:nvSpPr>
           <p:spPr>
             <a:xfrm>
-              <a:off x="1436283" y="3448827"/>
+              <a:off x="1682196" y="3448827"/>
               <a:ext cx="101975" cy="101975"/>
             </a:xfrm>
             <a:prstGeom prst="rect">
               <a:avLst/>
             </a:prstGeom>
             <a:solidFill>
-              <a:srgbClr val="5B9BD5"/>
+              <a:srgbClr val="0070C0"/>
             </a:solidFill>
             <a:ln w="19050">
               <a:solidFill>
-                <a:srgbClr val="5B9BD5"/>
+                <a:srgbClr val="0070C0"/>
               </a:solidFill>
             </a:ln>
           </p:spPr>
@@ -3745,9 +3745,9 @@
             <a:lstStyle/>
             <a:p>
               <a:pPr algn="ctr"/>
-              <a:endParaRPr lang="en-AU">
+              <a:endParaRPr lang="en-AU" sz="1400">
                 <a:solidFill>
-                  <a:srgbClr val="5B9BD5"/>
+                  <a:srgbClr val="0070C0"/>
                 </a:solidFill>
               </a:endParaRPr>
             </a:p>
@@ -3769,7 +3769,7 @@
               </p:nvSpPr>
               <p:spPr>
                 <a:xfrm>
-                  <a:off x="1612471" y="2732689"/>
+                  <a:off x="1858384" y="2732689"/>
                   <a:ext cx="614464" cy="184666"/>
                 </a:xfrm>
                 <a:prstGeom prst="rect">
@@ -3786,6 +3786,7 @@
                 </a:bodyPr>
                 <a:lstStyle/>
                 <a:p>
+                  <a:pPr/>
                   <a14:m>
                     <m:oMathPara xmlns:m="http://schemas.openxmlformats.org/officeDocument/2006/math">
                       <m:oMathParaPr>
@@ -3795,7 +3796,7 @@
                         <m:sSub>
                           <m:sSubPr>
                             <m:ctrlPr>
-                              <a:rPr lang="en-AU" sz="1200" b="0" i="0" smtClean="0">
+                              <a:rPr lang="en-AU" sz="1200" b="0" i="1" smtClean="0">
                                 <a:solidFill>
                                   <a:srgbClr val="70AD47"/>
                                 </a:solidFill>
@@ -3861,7 +3862,7 @@
               </p:nvSpPr>
               <p:spPr>
                 <a:xfrm>
-                  <a:off x="1612471" y="2732689"/>
+                  <a:off x="1858384" y="2732689"/>
                   <a:ext cx="614464" cy="184666"/>
                 </a:xfrm>
                 <a:prstGeom prst="rect">
@@ -3870,7 +3871,7 @@
                 <a:blipFill>
                   <a:blip r:embed="rId3"/>
                   <a:stretch>
-                    <a:fillRect l="-4000" r="-2000" b="-12903"/>
+                    <a:fillRect l="-3960" r="-990" b="-12903"/>
                   </a:stretch>
                 </a:blipFill>
                 <a:ln w="12700">
@@ -3908,8 +3909,8 @@
               </p:nvSpPr>
               <p:spPr>
                 <a:xfrm>
-                  <a:off x="1633160" y="3220181"/>
-                  <a:ext cx="380040" cy="184666"/>
+                  <a:off x="1879073" y="3220181"/>
+                  <a:ext cx="380039" cy="184666"/>
                 </a:xfrm>
                 <a:prstGeom prst="rect">
                   <a:avLst/>
@@ -3925,6 +3926,7 @@
                 </a:bodyPr>
                 <a:lstStyle/>
                 <a:p>
+                  <a:pPr/>
                   <a14:m>
                     <m:oMathPara xmlns:m="http://schemas.openxmlformats.org/officeDocument/2006/math">
                       <m:oMathParaPr>
@@ -3934,9 +3936,9 @@
                         <m:sSub>
                           <m:sSubPr>
                             <m:ctrlPr>
-                              <a:rPr lang="en-AU" sz="1200" b="0" i="0" smtClean="0">
+                              <a:rPr lang="en-AU" sz="1200" b="0" i="1" smtClean="0">
                                 <a:solidFill>
-                                  <a:srgbClr val="5B9BD5"/>
+                                  <a:srgbClr val="0070C0"/>
                                 </a:solidFill>
                                 <a:latin typeface="Cambria Math" panose="02040503050406030204" pitchFamily="18" charset="0"/>
                                 <a:ea typeface="Cambria Math" panose="02040503050406030204" pitchFamily="18" charset="0"/>
@@ -3948,7 +3950,7 @@
                             <m:r>
                               <a:rPr lang="en-AU" sz="1200" i="1" smtClean="0">
                                 <a:solidFill>
-                                  <a:srgbClr val="5B9BD5"/>
+                                  <a:srgbClr val="0070C0"/>
                                 </a:solidFill>
                                 <a:latin typeface="Cambria Math" panose="02040503050406030204" pitchFamily="18" charset="0"/>
                                 <a:ea typeface="Cambria Math" panose="02040503050406030204" pitchFamily="18" charset="0"/>
@@ -3961,7 +3963,7 @@
                             <m:r>
                               <a:rPr lang="en-AU" sz="1200" b="0" i="1" smtClean="0">
                                 <a:solidFill>
-                                  <a:srgbClr val="5B9BD5"/>
+                                  <a:srgbClr val="0070C0"/>
                                 </a:solidFill>
                                 <a:latin typeface="Cambria Math" panose="02040503050406030204" pitchFamily="18" charset="0"/>
                                 <a:ea typeface="Cambria Math" panose="02040503050406030204" pitchFamily="18" charset="0"/>
@@ -3975,7 +3977,7 @@
                               </m:rPr>
                               <a:rPr lang="en-AU" sz="1200" b="0" i="0" smtClean="0">
                                 <a:solidFill>
-                                  <a:srgbClr val="5B9BD5"/>
+                                  <a:srgbClr val="0070C0"/>
                                 </a:solidFill>
                                 <a:latin typeface="Cambria Math" panose="02040503050406030204" pitchFamily="18" charset="0"/>
                                 <a:ea typeface="Cambria Math" panose="02040503050406030204" pitchFamily="18" charset="0"/>
@@ -3990,7 +3992,7 @@
                   </a14:m>
                   <a:endParaRPr lang="en-AU" sz="1200" dirty="0">
                     <a:solidFill>
-                      <a:srgbClr val="5B9BD5"/>
+                      <a:srgbClr val="0070C0"/>
                     </a:solidFill>
                   </a:endParaRPr>
                 </a:p>
@@ -4014,8 +4016,8 @@
               </p:nvSpPr>
               <p:spPr>
                 <a:xfrm>
-                  <a:off x="1633160" y="3220181"/>
-                  <a:ext cx="380040" cy="184666"/>
+                  <a:off x="1879073" y="3220181"/>
+                  <a:ext cx="380039" cy="184666"/>
                 </a:xfrm>
                 <a:prstGeom prst="rect">
                   <a:avLst/>
@@ -4023,7 +4025,7 @@
                 <a:blipFill>
                   <a:blip r:embed="rId4"/>
                   <a:stretch>
-                    <a:fillRect l="-6452" b="-9677"/>
+                    <a:fillRect l="-4762" b="-9677"/>
                   </a:stretch>
                 </a:blipFill>
                 <a:ln w="19050">
@@ -4061,7 +4063,7 @@
           </p:nvCxnSpPr>
           <p:spPr>
             <a:xfrm>
-              <a:off x="1594681" y="2714425"/>
+              <a:off x="1840594" y="2714425"/>
               <a:ext cx="0" cy="286256"/>
             </a:xfrm>
             <a:prstGeom prst="straightConnector1">
@@ -4106,7 +4108,7 @@
           </p:nvCxnSpPr>
           <p:spPr>
             <a:xfrm>
-              <a:off x="1594681" y="3180835"/>
+              <a:off x="1840594" y="3180835"/>
               <a:ext cx="0" cy="286256"/>
             </a:xfrm>
             <a:prstGeom prst="straightConnector1">
@@ -4114,7 +4116,7 @@
             </a:prstGeom>
             <a:ln w="19050">
               <a:solidFill>
-                <a:srgbClr val="5B9BD5"/>
+                <a:srgbClr val="0070C0"/>
               </a:solidFill>
               <a:headEnd type="triangle"/>
               <a:tailEnd type="triangle"/>
@@ -4149,8 +4151,8 @@
           </p:nvSpPr>
           <p:spPr>
             <a:xfrm>
-              <a:off x="375389" y="2996169"/>
-              <a:ext cx="721801" cy="184666"/>
+              <a:off x="560645" y="2966279"/>
+              <a:ext cx="843116" cy="215444"/>
             </a:xfrm>
             <a:prstGeom prst="rect">
               <a:avLst/>
@@ -4164,7 +4166,7 @@
             <a:p>
               <a:pPr algn="ctr"/>
               <a:r>
-                <a:rPr lang="en-AU" sz="1200" dirty="0">
+                <a:rPr lang="en-AU" sz="1400" dirty="0">
                   <a:solidFill>
                     <a:schemeClr val="bg1"/>
                   </a:solidFill>
@@ -4190,8 +4192,8 @@
           </p:nvSpPr>
           <p:spPr>
             <a:xfrm rot="1800000">
-              <a:off x="1855268" y="3228776"/>
-              <a:ext cx="832279" cy="276999"/>
+              <a:off x="2045877" y="3213387"/>
+              <a:ext cx="942887" cy="307777"/>
             </a:xfrm>
             <a:prstGeom prst="rect">
               <a:avLst/>
@@ -4205,7 +4207,7 @@
             <a:p>
               <a:pPr algn="ctr"/>
               <a:r>
-                <a:rPr lang="en-AU" sz="1200" dirty="0">
+                <a:rPr lang="en-AU" sz="1400" dirty="0">
                   <a:solidFill>
                     <a:schemeClr val="bg1"/>
                   </a:solidFill>
@@ -4231,8 +4233,8 @@
           </p:nvSpPr>
           <p:spPr>
             <a:xfrm>
-              <a:off x="43543" y="2630714"/>
-              <a:ext cx="1266944" cy="184666"/>
+              <a:off x="48329" y="2615325"/>
+              <a:ext cx="1508071" cy="215444"/>
             </a:xfrm>
             <a:prstGeom prst="rect">
               <a:avLst/>
@@ -4268,7 +4270,7 @@
             <a:p>
               <a:pPr algn="ctr"/>
               <a:r>
-                <a:rPr lang="en-AU" sz="1200" dirty="0">
+                <a:rPr lang="en-AU" sz="1400" dirty="0">
                   <a:solidFill>
                     <a:srgbClr val="70AD47"/>
                   </a:solidFill>
@@ -4294,8 +4296,8 @@
           </p:nvSpPr>
           <p:spPr>
             <a:xfrm>
-              <a:off x="43543" y="3366136"/>
-              <a:ext cx="1266944" cy="184666"/>
+              <a:off x="48329" y="3350747"/>
+              <a:ext cx="1508071" cy="215444"/>
             </a:xfrm>
             <a:prstGeom prst="rect">
               <a:avLst/>
@@ -4303,7 +4305,7 @@
             <a:noFill/>
             <a:ln w="19050">
               <a:solidFill>
-                <a:srgbClr val="5B9BD5"/>
+                <a:srgbClr val="0070C0"/>
               </a:solidFill>
             </a:ln>
           </p:spPr>
@@ -4331,9 +4333,9 @@
             <a:p>
               <a:pPr algn="ctr"/>
               <a:r>
-                <a:rPr lang="en-AU" sz="1200" dirty="0">
+                <a:rPr lang="en-AU" sz="1400" dirty="0">
                   <a:solidFill>
-                    <a:srgbClr val="5B9BD5"/>
+                    <a:srgbClr val="0070C0"/>
                   </a:solidFill>
                   <a:latin typeface="Helvetica Neue" charset="0"/>
                   <a:cs typeface="Helvetica Neue" charset="0"/>
@@ -4353,6 +4355,7 @@
               </a:extLst>
             </p:cNvPr>
             <p:cNvCxnSpPr>
+              <a:cxnSpLocks/>
               <a:stCxn id="256" idx="2"/>
               <a:endCxn id="241" idx="1"/>
             </p:cNvCxnSpPr>
@@ -4360,8 +4363,8 @@
           </p:nvCxnSpPr>
           <p:spPr>
             <a:xfrm rot="16200000" flipH="1">
-              <a:off x="1048851" y="2443544"/>
-              <a:ext cx="47535" cy="791206"/>
+              <a:off x="1242176" y="2390957"/>
+              <a:ext cx="32146" cy="911769"/>
             </a:xfrm>
             <a:prstGeom prst="bentConnector2">
               <a:avLst/>
@@ -4398,6 +4401,7 @@
               </a:extLst>
             </p:cNvPr>
             <p:cNvCxnSpPr>
+              <a:cxnSpLocks/>
               <a:stCxn id="257" idx="0"/>
               <a:endCxn id="106" idx="5"/>
             </p:cNvCxnSpPr>
@@ -4405,15 +4409,15 @@
           </p:nvCxnSpPr>
           <p:spPr>
             <a:xfrm rot="5400000" flipH="1" flipV="1">
-              <a:off x="1048850" y="2946765"/>
-              <a:ext cx="47537" cy="791206"/>
+              <a:off x="1242175" y="2878789"/>
+              <a:ext cx="32148" cy="911769"/>
             </a:xfrm>
             <a:prstGeom prst="bentConnector2">
               <a:avLst/>
             </a:prstGeom>
             <a:ln w="19050">
               <a:solidFill>
-                <a:srgbClr val="5B9BD5"/>
+                <a:srgbClr val="0070C0"/>
               </a:solidFill>
               <a:tailEnd type="triangle"/>
             </a:ln>
@@ -4436,10 +4440,10 @@
       </p:grpSp>
       <p:grpSp>
         <p:nvGrpSpPr>
-          <p:cNvPr id="129" name="Group 128">
+          <p:cNvPr id="19" name="Group 18">
             <a:extLst>
               <a:ext uri="{FF2B5EF4-FFF2-40B4-BE49-F238E27FC236}">
-                <a16:creationId xmlns:a16="http://schemas.microsoft.com/office/drawing/2014/main" id="{C620FEA0-EBD7-477C-9C82-831048032F5A}"/>
+                <a16:creationId xmlns:a16="http://schemas.microsoft.com/office/drawing/2014/main" id="{64A68AE3-33C3-440F-B57C-490D66764EAC}"/>
               </a:ext>
             </a:extLst>
           </p:cNvPr>
@@ -4448,10 +4452,10 @@
         </p:nvGrpSpPr>
         <p:grpSpPr>
           <a:xfrm>
-            <a:off x="162206" y="1351048"/>
-            <a:ext cx="3142328" cy="956006"/>
-            <a:chOff x="162206" y="1351048"/>
-            <a:chExt cx="3142328" cy="956006"/>
+            <a:off x="5849" y="1351048"/>
+            <a:ext cx="3298686" cy="986784"/>
+            <a:chOff x="5849" y="1351048"/>
+            <a:chExt cx="3298686" cy="986784"/>
           </a:xfrm>
         </p:grpSpPr>
         <p:grpSp>
@@ -4468,7 +4472,7 @@
           </p:nvGrpSpPr>
           <p:grpSpPr>
             <a:xfrm>
-              <a:off x="890814" y="1856456"/>
+              <a:off x="776937" y="1856456"/>
               <a:ext cx="1272761" cy="152176"/>
               <a:chOff x="619066" y="1709531"/>
               <a:chExt cx="1448273" cy="252739"/>
@@ -4841,11 +4845,14 @@
           </p:nvGrpSpPr>
           <p:grpSpPr>
             <a:xfrm rot="10800000">
-              <a:off x="890814" y="2131737"/>
+              <a:off x="776937" y="2131737"/>
               <a:ext cx="1272761" cy="152176"/>
               <a:chOff x="619066" y="1709531"/>
               <a:chExt cx="1448273" cy="252739"/>
             </a:xfrm>
+            <a:solidFill>
+              <a:srgbClr val="0070C0"/>
+            </a:solidFill>
           </p:grpSpPr>
           <p:cxnSp>
             <p:nvCxnSpPr>
@@ -4869,9 +4876,10 @@
               <a:prstGeom prst="straightConnector1">
                 <a:avLst/>
               </a:prstGeom>
+              <a:grpFill/>
               <a:ln>
                 <a:solidFill>
-                  <a:schemeClr val="accent5"/>
+                  <a:srgbClr val="0070C0"/>
                 </a:solidFill>
                 <a:tailEnd type="triangle"/>
               </a:ln>
@@ -4913,9 +4921,10 @@
               <a:prstGeom prst="straightConnector1">
                 <a:avLst/>
               </a:prstGeom>
+              <a:grpFill/>
               <a:ln>
                 <a:solidFill>
-                  <a:schemeClr val="accent5"/>
+                  <a:srgbClr val="0070C0"/>
                 </a:solidFill>
                 <a:tailEnd type="triangle"/>
               </a:ln>
@@ -4957,9 +4966,10 @@
               <a:prstGeom prst="straightConnector1">
                 <a:avLst/>
               </a:prstGeom>
+              <a:grpFill/>
               <a:ln>
                 <a:solidFill>
-                  <a:schemeClr val="accent5"/>
+                  <a:srgbClr val="0070C0"/>
                 </a:solidFill>
                 <a:tailEnd type="triangle"/>
               </a:ln>
@@ -5001,9 +5011,10 @@
               <a:prstGeom prst="straightConnector1">
                 <a:avLst/>
               </a:prstGeom>
+              <a:grpFill/>
               <a:ln>
                 <a:solidFill>
-                  <a:schemeClr val="accent5"/>
+                  <a:srgbClr val="0070C0"/>
                 </a:solidFill>
                 <a:tailEnd type="triangle"/>
               </a:ln>
@@ -5045,9 +5056,10 @@
               <a:prstGeom prst="straightConnector1">
                 <a:avLst/>
               </a:prstGeom>
+              <a:grpFill/>
               <a:ln>
                 <a:solidFill>
-                  <a:schemeClr val="accent5"/>
+                  <a:srgbClr val="0070C0"/>
                 </a:solidFill>
                 <a:tailEnd type="triangle"/>
               </a:ln>
@@ -5089,9 +5101,10 @@
               <a:prstGeom prst="straightConnector1">
                 <a:avLst/>
               </a:prstGeom>
+              <a:grpFill/>
               <a:ln>
                 <a:solidFill>
-                  <a:schemeClr val="accent5"/>
+                  <a:srgbClr val="0070C0"/>
                 </a:solidFill>
                 <a:tailEnd type="triangle"/>
               </a:ln>
@@ -5133,9 +5146,10 @@
               <a:prstGeom prst="straightConnector1">
                 <a:avLst/>
               </a:prstGeom>
+              <a:grpFill/>
               <a:ln>
                 <a:solidFill>
-                  <a:schemeClr val="accent5"/>
+                  <a:srgbClr val="0070C0"/>
                 </a:solidFill>
                 <a:tailEnd type="triangle"/>
               </a:ln>
@@ -5177,9 +5191,10 @@
               <a:prstGeom prst="straightConnector1">
                 <a:avLst/>
               </a:prstGeom>
+              <a:grpFill/>
               <a:ln>
                 <a:solidFill>
-                  <a:schemeClr val="accent5"/>
+                  <a:srgbClr val="0070C0"/>
                 </a:solidFill>
                 <a:tailEnd type="triangle"/>
               </a:ln>
@@ -5214,18 +5229,18 @@
           </p:nvSpPr>
           <p:spPr>
             <a:xfrm>
-              <a:off x="890814" y="2070185"/>
+              <a:off x="776937" y="2070185"/>
               <a:ext cx="1272761" cy="61552"/>
             </a:xfrm>
             <a:prstGeom prst="rect">
               <a:avLst/>
             </a:prstGeom>
             <a:solidFill>
-              <a:schemeClr val="accent5"/>
+              <a:srgbClr val="0070C0"/>
             </a:solidFill>
             <a:ln w="12700">
               <a:solidFill>
-                <a:schemeClr val="accent5"/>
+                <a:srgbClr val="0070C0"/>
               </a:solidFill>
             </a:ln>
           </p:spPr>
@@ -5250,9 +5265,9 @@
             <a:lstStyle/>
             <a:p>
               <a:pPr algn="ctr"/>
-              <a:endParaRPr lang="en-AU" sz="1200">
+              <a:endParaRPr lang="en-AU" sz="1400">
                 <a:solidFill>
-                  <a:schemeClr val="accent5"/>
+                  <a:srgbClr val="0070C0"/>
                 </a:solidFill>
               </a:endParaRPr>
             </a:p>
@@ -5272,7 +5287,7 @@
           </p:nvSpPr>
           <p:spPr>
             <a:xfrm>
-              <a:off x="890814" y="2008632"/>
+              <a:off x="776937" y="2008632"/>
               <a:ext cx="1272761" cy="61552"/>
             </a:xfrm>
             <a:prstGeom prst="rect">
@@ -5308,7 +5323,7 @@
             <a:lstStyle/>
             <a:p>
               <a:pPr algn="ctr"/>
-              <a:endParaRPr lang="en-AU" sz="1200">
+              <a:endParaRPr lang="en-AU" sz="1400">
                 <a:solidFill>
                   <a:schemeClr val="accent6"/>
                 </a:solidFill>
@@ -5316,155 +5331,132 @@
             </a:p>
           </p:txBody>
         </p:sp>
-        <p:grpSp>
-          <p:nvGrpSpPr>
-            <p:cNvPr id="85" name="Group 84">
+        <p:sp>
+          <p:nvSpPr>
+            <p:cNvPr id="11" name="Rectangle 10">
               <a:extLst>
                 <a:ext uri="{FF2B5EF4-FFF2-40B4-BE49-F238E27FC236}">
-                  <a16:creationId xmlns:a16="http://schemas.microsoft.com/office/drawing/2014/main" id="{AF9D0BD2-C366-4EE2-A7B0-EC1F54E29F13}"/>
+                  <a16:creationId xmlns:a16="http://schemas.microsoft.com/office/drawing/2014/main" id="{906C9672-2308-482B-BA92-1FE1551E4CF0}"/>
                 </a:ext>
               </a:extLst>
             </p:cNvPr>
-            <p:cNvGrpSpPr/>
+            <p:cNvSpPr/>
             <p:nvPr/>
-          </p:nvGrpSpPr>
-          <p:grpSpPr>
+          </p:nvSpPr>
+          <p:spPr>
             <a:xfrm>
-              <a:off x="2385693" y="1717099"/>
-              <a:ext cx="918841" cy="589955"/>
-              <a:chOff x="2385693" y="1557176"/>
-              <a:chExt cx="918841" cy="589955"/>
+              <a:off x="2254839" y="1654686"/>
+              <a:ext cx="1049696" cy="307777"/>
             </a:xfrm>
-          </p:grpSpPr>
-          <p:sp>
-            <p:nvSpPr>
-              <p:cNvPr id="11" name="Rectangle 10">
-                <a:extLst>
-                  <a:ext uri="{FF2B5EF4-FFF2-40B4-BE49-F238E27FC236}">
-                    <a16:creationId xmlns:a16="http://schemas.microsoft.com/office/drawing/2014/main" id="{906C9672-2308-482B-BA92-1FE1551E4CF0}"/>
-                  </a:ext>
-                </a:extLst>
-              </p:cNvPr>
-              <p:cNvSpPr/>
-              <p:nvPr/>
-            </p:nvSpPr>
-            <p:spPr>
-              <a:xfrm>
-                <a:off x="2385693" y="1557176"/>
-                <a:ext cx="918841" cy="276999"/>
-              </a:xfrm>
-              <a:prstGeom prst="rect">
-                <a:avLst/>
-              </a:prstGeom>
-              <a:noFill/>
-              <a:ln w="12700">
-                <a:solidFill>
-                  <a:schemeClr val="accent6"/>
-                </a:solidFill>
-              </a:ln>
-            </p:spPr>
-            <p:style>
-              <a:lnRef idx="2">
-                <a:schemeClr val="accent6">
-                  <a:shade val="50000"/>
-                </a:schemeClr>
-              </a:lnRef>
-              <a:fillRef idx="1">
+            <a:prstGeom prst="rect">
+              <a:avLst/>
+            </a:prstGeom>
+            <a:noFill/>
+            <a:ln w="12700">
+              <a:solidFill>
                 <a:schemeClr val="accent6"/>
-              </a:fillRef>
-              <a:effectRef idx="0">
-                <a:schemeClr val="accent6"/>
-              </a:effectRef>
-              <a:fontRef idx="minor">
-                <a:schemeClr val="lt1"/>
-              </a:fontRef>
-            </p:style>
-            <p:txBody>
-              <a:bodyPr wrap="square" anchor="ctr">
-                <a:spAutoFit/>
-              </a:bodyPr>
-              <a:lstStyle/>
-              <a:p>
-                <a:pPr algn="ctr"/>
-                <a:r>
-                  <a:rPr lang="en-AU" sz="1200" dirty="0">
-                    <a:solidFill>
-                      <a:schemeClr val="accent6"/>
-                    </a:solidFill>
-                    <a:latin typeface="Helvetica Neue" charset="0"/>
-                    <a:cs typeface="Helvetica Neue" charset="0"/>
-                  </a:rPr>
-                  <a:t>Pilot Force</a:t>
-                </a:r>
-              </a:p>
-            </p:txBody>
-          </p:sp>
-          <p:sp>
-            <p:nvSpPr>
-              <p:cNvPr id="175" name="Rectangle 174">
-                <a:extLst>
-                  <a:ext uri="{FF2B5EF4-FFF2-40B4-BE49-F238E27FC236}">
-                    <a16:creationId xmlns:a16="http://schemas.microsoft.com/office/drawing/2014/main" id="{61A7DE2D-D1B1-47AA-9B79-EFF4F0B9D3DF}"/>
-                  </a:ext>
-                </a:extLst>
-              </p:cNvPr>
-              <p:cNvSpPr/>
-              <p:nvPr/>
-            </p:nvSpPr>
-            <p:spPr>
-              <a:xfrm>
-                <a:off x="2385693" y="1870132"/>
-                <a:ext cx="918835" cy="276999"/>
-              </a:xfrm>
-              <a:prstGeom prst="rect">
-                <a:avLst/>
-              </a:prstGeom>
+              </a:solidFill>
+            </a:ln>
+          </p:spPr>
+          <p:style>
+            <a:lnRef idx="2">
+              <a:schemeClr val="accent6">
+                <a:shade val="50000"/>
+              </a:schemeClr>
+            </a:lnRef>
+            <a:fillRef idx="1">
+              <a:schemeClr val="accent6"/>
+            </a:fillRef>
+            <a:effectRef idx="0">
+              <a:schemeClr val="accent6"/>
+            </a:effectRef>
+            <a:fontRef idx="minor">
+              <a:schemeClr val="lt1"/>
+            </a:fontRef>
+          </p:style>
+          <p:txBody>
+            <a:bodyPr wrap="square" anchor="ctr">
+              <a:spAutoFit/>
+            </a:bodyPr>
+            <a:lstStyle/>
+            <a:p>
+              <a:pPr algn="ctr"/>
+              <a:r>
+                <a:rPr lang="en-AU" sz="1400" dirty="0">
+                  <a:solidFill>
+                    <a:schemeClr val="accent6"/>
+                  </a:solidFill>
+                  <a:latin typeface="Helvetica Neue" charset="0"/>
+                  <a:cs typeface="Helvetica Neue" charset="0"/>
+                </a:rPr>
+                <a:t>Pilot Force</a:t>
+              </a:r>
+            </a:p>
+          </p:txBody>
+        </p:sp>
+        <p:sp>
+          <p:nvSpPr>
+            <p:cNvPr id="175" name="Rectangle 174">
+              <a:extLst>
+                <a:ext uri="{FF2B5EF4-FFF2-40B4-BE49-F238E27FC236}">
+                  <a16:creationId xmlns:a16="http://schemas.microsoft.com/office/drawing/2014/main" id="{61A7DE2D-D1B1-47AA-9B79-EFF4F0B9D3DF}"/>
+                </a:ext>
+              </a:extLst>
+            </p:cNvPr>
+            <p:cNvSpPr/>
+            <p:nvPr/>
+          </p:nvSpPr>
+          <p:spPr>
+            <a:xfrm>
+              <a:off x="2254839" y="2014666"/>
+              <a:ext cx="1049689" cy="307777"/>
+            </a:xfrm>
+            <a:prstGeom prst="rect">
+              <a:avLst/>
+            </a:prstGeom>
+            <a:noFill/>
+            <a:ln w="12700">
               <a:solidFill>
-                <a:schemeClr val="bg1"/>
+                <a:srgbClr val="0070C0"/>
               </a:solidFill>
-              <a:ln w="12700">
-                <a:solidFill>
-                  <a:schemeClr val="accent5"/>
-                </a:solidFill>
-              </a:ln>
-            </p:spPr>
-            <p:style>
-              <a:lnRef idx="2">
-                <a:schemeClr val="accent1">
-                  <a:shade val="50000"/>
-                </a:schemeClr>
-              </a:lnRef>
-              <a:fillRef idx="1">
-                <a:schemeClr val="accent1"/>
-              </a:fillRef>
-              <a:effectRef idx="0">
-                <a:schemeClr val="accent1"/>
-              </a:effectRef>
-              <a:fontRef idx="minor">
-                <a:schemeClr val="lt1"/>
-              </a:fontRef>
-            </p:style>
-            <p:txBody>
-              <a:bodyPr wrap="square" anchor="ctr">
-                <a:spAutoFit/>
-              </a:bodyPr>
-              <a:lstStyle/>
-              <a:p>
-                <a:pPr algn="ctr"/>
-                <a:r>
-                  <a:rPr lang="en-AU" sz="1200" dirty="0">
-                    <a:solidFill>
-                      <a:schemeClr val="accent5"/>
-                    </a:solidFill>
-                    <a:latin typeface="Helvetica Neue" charset="0"/>
-                    <a:cs typeface="Helvetica Neue" charset="0"/>
-                  </a:rPr>
-                  <a:t>Suit Force</a:t>
-                </a:r>
-              </a:p>
-            </p:txBody>
-          </p:sp>
-        </p:grpSp>
+            </a:ln>
+          </p:spPr>
+          <p:style>
+            <a:lnRef idx="2">
+              <a:schemeClr val="accent1">
+                <a:shade val="50000"/>
+              </a:schemeClr>
+            </a:lnRef>
+            <a:fillRef idx="1">
+              <a:schemeClr val="accent1"/>
+            </a:fillRef>
+            <a:effectRef idx="0">
+              <a:schemeClr val="accent1"/>
+            </a:effectRef>
+            <a:fontRef idx="minor">
+              <a:schemeClr val="lt1"/>
+            </a:fontRef>
+          </p:style>
+          <p:txBody>
+            <a:bodyPr wrap="square" anchor="ctr">
+              <a:spAutoFit/>
+            </a:bodyPr>
+            <a:lstStyle/>
+            <a:p>
+              <a:pPr algn="ctr"/>
+              <a:r>
+                <a:rPr lang="en-AU" sz="1400" dirty="0">
+                  <a:solidFill>
+                    <a:srgbClr val="0070C0"/>
+                  </a:solidFill>
+                  <a:latin typeface="Helvetica Neue" charset="0"/>
+                  <a:cs typeface="Helvetica Neue" charset="0"/>
+                </a:rPr>
+                <a:t>Suit Force</a:t>
+              </a:r>
+            </a:p>
+          </p:txBody>
+        </p:sp>
         <p:cxnSp>
           <p:nvCxnSpPr>
             <p:cNvPr id="14" name="Connector: Elbow 13">
@@ -5483,8 +5475,8 @@
           </p:nvCxnSpPr>
           <p:spPr>
             <a:xfrm rot="10800000" flipV="1">
-              <a:off x="2163575" y="1855598"/>
-              <a:ext cx="222118" cy="183809"/>
+              <a:off x="2049699" y="1808574"/>
+              <a:ext cx="205141" cy="230833"/>
             </a:xfrm>
             <a:prstGeom prst="bentConnector3">
               <a:avLst/>
@@ -5531,15 +5523,15 @@
           </p:nvCxnSpPr>
           <p:spPr>
             <a:xfrm rot="10800000">
-              <a:off x="2163575" y="2100961"/>
-              <a:ext cx="222118" cy="67594"/>
+              <a:off x="2049699" y="2100961"/>
+              <a:ext cx="205141" cy="67594"/>
             </a:xfrm>
             <a:prstGeom prst="bentConnector3">
               <a:avLst/>
             </a:prstGeom>
             <a:ln w="12700">
               <a:solidFill>
-                <a:schemeClr val="accent5"/>
+                <a:srgbClr val="0070C0"/>
               </a:solidFill>
               <a:tailEnd type="triangle"/>
             </a:ln>
@@ -5577,7 +5569,7 @@
           </p:nvCxnSpPr>
           <p:spPr>
             <a:xfrm flipH="1">
-              <a:off x="168729" y="2307054"/>
+              <a:off x="54852" y="2307054"/>
               <a:ext cx="2140857" cy="0"/>
             </a:xfrm>
             <a:prstGeom prst="line">
@@ -5614,8 +5606,8 @@
           </p:nvSpPr>
           <p:spPr>
             <a:xfrm>
-              <a:off x="162206" y="2030055"/>
-              <a:ext cx="696023" cy="276999"/>
+              <a:off x="5849" y="2030055"/>
+              <a:ext cx="780983" cy="307777"/>
             </a:xfrm>
             <a:prstGeom prst="rect">
               <a:avLst/>
@@ -5629,7 +5621,7 @@
             <a:p>
               <a:pPr algn="ctr"/>
               <a:r>
-                <a:rPr lang="en-AU" sz="1200" dirty="0">
+                <a:rPr lang="en-AU" sz="1400" dirty="0">
                   <a:latin typeface="Helvetica Neue" charset="0"/>
                   <a:cs typeface="Helvetica Neue" charset="0"/>
                 </a:rPr>
@@ -5654,8 +5646,8 @@
               </p:nvSpPr>
               <p:spPr>
                 <a:xfrm>
-                  <a:off x="2081896" y="1470880"/>
-                  <a:ext cx="1099749" cy="184666"/>
+                  <a:off x="2014066" y="1351048"/>
+                  <a:ext cx="1272761" cy="215444"/>
                 </a:xfrm>
                 <a:prstGeom prst="rect">
                   <a:avLst/>
@@ -5689,7 +5681,7 @@
                 <a:p>
                   <a:pPr algn="ctr"/>
                   <a:r>
-                    <a:rPr lang="en-AU" sz="1200" dirty="0">
+                    <a:rPr lang="en-AU" sz="1400" dirty="0">
                       <a:solidFill>
                         <a:schemeClr val="tx1"/>
                       </a:solidFill>
@@ -5701,7 +5693,7 @@
                   <a14:m>
                     <m:oMath xmlns:m="http://schemas.openxmlformats.org/officeDocument/2006/math">
                       <m:r>
-                        <a:rPr lang="en-AU" sz="1200" i="1" smtClean="0">
+                        <a:rPr lang="en-AU" sz="1400" i="1" smtClean="0">
                           <a:solidFill>
                             <a:schemeClr val="tx1"/>
                           </a:solidFill>
@@ -5712,7 +5704,7 @@
                         <m:t>∆</m:t>
                       </m:r>
                       <m:r>
-                        <a:rPr lang="en-AU" sz="1200" b="0" i="1" smtClean="0">
+                        <a:rPr lang="en-AU" sz="1400" b="0" i="1" smtClean="0">
                           <a:solidFill>
                             <a:schemeClr val="tx1"/>
                           </a:solidFill>
@@ -5723,7 +5715,7 @@
                         <m:t>𝐹</m:t>
                       </m:r>
                       <m:r>
-                        <a:rPr lang="en-AU" sz="1200" b="0" i="1" smtClean="0">
+                        <a:rPr lang="en-AU" sz="1400" b="0" i="1" smtClean="0">
                           <a:solidFill>
                             <a:schemeClr val="tx1"/>
                           </a:solidFill>
@@ -5735,7 +5727,7 @@
                       </m:r>
                     </m:oMath>
                   </a14:m>
-                  <a:endParaRPr lang="en-AU" sz="1200" dirty="0">
+                  <a:endParaRPr lang="en-AU" sz="1400" dirty="0">
                     <a:solidFill>
                       <a:schemeClr val="tx1"/>
                     </a:solidFill>
@@ -5763,8 +5755,8 @@
               </p:nvSpPr>
               <p:spPr>
                 <a:xfrm>
-                  <a:off x="2081896" y="1470880"/>
-                  <a:ext cx="1099749" cy="184666"/>
+                  <a:off x="2014066" y="1351048"/>
+                  <a:ext cx="1272761" cy="215444"/>
                 </a:xfrm>
                 <a:prstGeom prst="rect">
                   <a:avLst/>
@@ -5772,7 +5764,7 @@
                 <a:blipFill>
                   <a:blip r:embed="rId5"/>
                   <a:stretch>
-                    <a:fillRect l="-8889" t="-29032" r="-4444" b="-45161"/>
+                    <a:fillRect l="-8612" t="-25714" r="-4306" b="-51429"/>
                   </a:stretch>
                 </a:blipFill>
                 <a:ln w="12700">
@@ -5808,10 +5800,10 @@
           </p:nvGrpSpPr>
           <p:grpSpPr>
             <a:xfrm>
-              <a:off x="1051329" y="1351048"/>
-              <a:ext cx="959837" cy="503152"/>
-              <a:chOff x="3964294" y="795130"/>
-              <a:chExt cx="959837" cy="503152"/>
+              <a:off x="937444" y="1351048"/>
+              <a:ext cx="960275" cy="503152"/>
+              <a:chOff x="3964286" y="795130"/>
+              <a:chExt cx="960275" cy="503152"/>
             </a:xfrm>
           </p:grpSpPr>
           <p:grpSp>
@@ -5879,7 +5871,7 @@
                 <a:lstStyle/>
                 <a:p>
                   <a:pPr algn="ctr"/>
-                  <a:endParaRPr lang="en-AU"/>
+                  <a:endParaRPr lang="en-AU" sz="1400"/>
                 </a:p>
               </p:txBody>
             </p:sp>
@@ -5928,7 +5920,7 @@
                 <a:lstStyle/>
                 <a:p>
                   <a:pPr algn="ctr"/>
-                  <a:endParaRPr lang="en-AU"/>
+                  <a:endParaRPr lang="en-AU" sz="1400"/>
                 </a:p>
               </p:txBody>
             </p:sp>
@@ -5947,22 +5939,22 @@
             </p:nvSpPr>
             <p:spPr>
               <a:xfrm>
-                <a:off x="4018815" y="1008378"/>
-                <a:ext cx="850794" cy="276999"/>
+                <a:off x="3964286" y="983331"/>
+                <a:ext cx="960275" cy="307777"/>
               </a:xfrm>
               <a:prstGeom prst="rect">
                 <a:avLst/>
               </a:prstGeom>
             </p:spPr>
             <p:txBody>
-              <a:bodyPr wrap="square">
+              <a:bodyPr wrap="square" anchor="ctr">
                 <a:spAutoFit/>
               </a:bodyPr>
               <a:lstStyle/>
               <a:p>
                 <a:pPr algn="ctr"/>
                 <a:r>
-                  <a:rPr lang="en-AU" sz="1200" dirty="0">
+                  <a:rPr lang="en-AU" sz="1400" dirty="0">
                     <a:solidFill>
                       <a:schemeClr val="bg1"/>
                     </a:solidFill>
